--- a/presentation/COMS_Qualifying_Exam-2023-08-22.pptx
+++ b/presentation/COMS_Qualifying_Exam-2023-08-22.pptx
@@ -24202,7 +24202,7 @@
         </p:spPr>
         <p:txBody>
           <a:bodyPr>
-            <a:normAutofit fontScale="85000" lnSpcReduction="10000"/>
+            <a:normAutofit fontScale="85000" lnSpcReduction="20000"/>
           </a:bodyPr>
           <a:lstStyle/>
           <a:p>
@@ -24227,7 +24227,7 @@
             </a:br>
             <a:r>
               <a:rPr lang="en-US" dirty="0"/>
-              <a:t>It uses a logistic function to model the dependent variable. Standard approach but not optimal for Multi-Class approach.</a:t>
+              <a:t>It uses a logistic function to model the dependent variable. Standard approach but not optimal for Multi-Class approach. But works well when having classes.</a:t>
             </a:r>
           </a:p>
           <a:p>
@@ -24251,7 +24251,7 @@
             </a:r>
             <a:r>
               <a:rPr lang="en-US" dirty="0"/>
-              <a:t> machine learning model that’s used for classification task. </a:t>
+              <a:t> machine learning model that’s used for classification task. Generally only used with Text.</a:t>
             </a:r>
           </a:p>
           <a:p>
@@ -24268,6 +24268,13 @@
             <a:r>
               <a:rPr lang="en-US" dirty="0"/>
               <a:t>RFC consists of a large number of individual decision trees that operate as a group. Each individual tree spits out a class prediction and the class with the most votes becomes our model’s prediction.</a:t>
+            </a:r>
+            <a:br>
+              <a:rPr lang="en-US" dirty="0"/>
+            </a:br>
+            <a:r>
+              <a:rPr lang="en-US" dirty="0"/>
+              <a:t>Also helps with overfitting!</a:t>
             </a:r>
           </a:p>
         </p:txBody>
